--- a/Week 1/Lab/Lecture 2 -- Mixed-effects models.pptx
+++ b/Week 1/Lab/Lecture 2 -- Mixed-effects models.pptx
@@ -231,7 +231,7 @@
           <a:p>
             <a:fld id="{1522831B-4FE3-4D45-950B-0D2C6BB2DD76}" type="datetimeFigureOut">
               <a:rPr lang="en-US" smtClean="0"/>
-              <a:t>3/1/2024</a:t>
+              <a:t>3/28/2024</a:t>
             </a:fld>
             <a:endParaRPr lang="en-US"/>
           </a:p>
@@ -3437,10 +3437,6 @@
           <a:bodyPr/>
           <a:lstStyle/>
           <a:p>
-            <a:r>
-              <a:rPr lang="en-US"/>
-              <a:t>April 3, 2018</a:t>
-            </a:r>
             <a:endParaRPr lang="en-US" dirty="0"/>
           </a:p>
         </p:txBody>
@@ -24216,7 +24212,7 @@
           <a:graphicData uri="http://schemas.openxmlformats.org/presentationml/2006/ole">
             <mc:AlternateContent xmlns:mc="http://schemas.openxmlformats.org/markup-compatibility/2006">
               <mc:Choice xmlns:v="urn:schemas-microsoft-com:vml" Requires="v">
-                <p:oleObj spid="_x0000_s1027" name="Equation" r:id="rId4" imgW="914400" imgH="291960" progId="Equation.DSMT4">
+                <p:oleObj spid="_x0000_s1029" name="Equation" r:id="rId4" imgW="914400" imgH="291960" progId="Equation.DSMT4">
                   <p:embed/>
                 </p:oleObj>
               </mc:Choice>
